--- a/Documents/Design Diagram.pptx
+++ b/Documents/Design Diagram.pptx
@@ -259,7 +259,7 @@
           <a:p>
             <a:fld id="{74FD650E-8447-40BF-9E58-325791EC6B7F}" type="datetimeFigureOut">
               <a:rPr lang="en-US" smtClean="0"/>
-              <a:t>6/30/2020</a:t>
+              <a:t>7/19/2020</a:t>
             </a:fld>
             <a:endParaRPr lang="en-US"/>
           </a:p>
@@ -457,7 +457,7 @@
           <a:p>
             <a:fld id="{74FD650E-8447-40BF-9E58-325791EC6B7F}" type="datetimeFigureOut">
               <a:rPr lang="en-US" smtClean="0"/>
-              <a:t>6/30/2020</a:t>
+              <a:t>7/19/2020</a:t>
             </a:fld>
             <a:endParaRPr lang="en-US"/>
           </a:p>
@@ -665,7 +665,7 @@
           <a:p>
             <a:fld id="{74FD650E-8447-40BF-9E58-325791EC6B7F}" type="datetimeFigureOut">
               <a:rPr lang="en-US" smtClean="0"/>
-              <a:t>6/30/2020</a:t>
+              <a:t>7/19/2020</a:t>
             </a:fld>
             <a:endParaRPr lang="en-US"/>
           </a:p>
@@ -863,7 +863,7 @@
           <a:p>
             <a:fld id="{74FD650E-8447-40BF-9E58-325791EC6B7F}" type="datetimeFigureOut">
               <a:rPr lang="en-US" smtClean="0"/>
-              <a:t>6/30/2020</a:t>
+              <a:t>7/19/2020</a:t>
             </a:fld>
             <a:endParaRPr lang="en-US"/>
           </a:p>
@@ -1138,7 +1138,7 @@
           <a:p>
             <a:fld id="{74FD650E-8447-40BF-9E58-325791EC6B7F}" type="datetimeFigureOut">
               <a:rPr lang="en-US" smtClean="0"/>
-              <a:t>6/30/2020</a:t>
+              <a:t>7/19/2020</a:t>
             </a:fld>
             <a:endParaRPr lang="en-US"/>
           </a:p>
@@ -1403,7 +1403,7 @@
           <a:p>
             <a:fld id="{74FD650E-8447-40BF-9E58-325791EC6B7F}" type="datetimeFigureOut">
               <a:rPr lang="en-US" smtClean="0"/>
-              <a:t>6/30/2020</a:t>
+              <a:t>7/19/2020</a:t>
             </a:fld>
             <a:endParaRPr lang="en-US"/>
           </a:p>
@@ -1815,7 +1815,7 @@
           <a:p>
             <a:fld id="{74FD650E-8447-40BF-9E58-325791EC6B7F}" type="datetimeFigureOut">
               <a:rPr lang="en-US" smtClean="0"/>
-              <a:t>6/30/2020</a:t>
+              <a:t>7/19/2020</a:t>
             </a:fld>
             <a:endParaRPr lang="en-US"/>
           </a:p>
@@ -1956,7 +1956,7 @@
           <a:p>
             <a:fld id="{74FD650E-8447-40BF-9E58-325791EC6B7F}" type="datetimeFigureOut">
               <a:rPr lang="en-US" smtClean="0"/>
-              <a:t>6/30/2020</a:t>
+              <a:t>7/19/2020</a:t>
             </a:fld>
             <a:endParaRPr lang="en-US"/>
           </a:p>
@@ -2069,7 +2069,7 @@
           <a:p>
             <a:fld id="{74FD650E-8447-40BF-9E58-325791EC6B7F}" type="datetimeFigureOut">
               <a:rPr lang="en-US" smtClean="0"/>
-              <a:t>6/30/2020</a:t>
+              <a:t>7/19/2020</a:t>
             </a:fld>
             <a:endParaRPr lang="en-US"/>
           </a:p>
@@ -2380,7 +2380,7 @@
           <a:p>
             <a:fld id="{74FD650E-8447-40BF-9E58-325791EC6B7F}" type="datetimeFigureOut">
               <a:rPr lang="en-US" smtClean="0"/>
-              <a:t>6/30/2020</a:t>
+              <a:t>7/19/2020</a:t>
             </a:fld>
             <a:endParaRPr lang="en-US"/>
           </a:p>
@@ -2668,7 +2668,7 @@
           <a:p>
             <a:fld id="{74FD650E-8447-40BF-9E58-325791EC6B7F}" type="datetimeFigureOut">
               <a:rPr lang="en-US" smtClean="0"/>
-              <a:t>6/30/2020</a:t>
+              <a:t>7/19/2020</a:t>
             </a:fld>
             <a:endParaRPr lang="en-US"/>
           </a:p>
@@ -2909,7 +2909,7 @@
           <a:p>
             <a:fld id="{74FD650E-8447-40BF-9E58-325791EC6B7F}" type="datetimeFigureOut">
               <a:rPr lang="en-US" smtClean="0"/>
-              <a:t>6/30/2020</a:t>
+              <a:t>7/19/2020</a:t>
             </a:fld>
             <a:endParaRPr lang="en-US"/>
           </a:p>
@@ -3353,7 +3353,7 @@
         </p:blipFill>
         <p:spPr bwMode="auto">
           <a:xfrm>
-            <a:off x="8405954" y="481941"/>
+            <a:off x="8065948" y="907820"/>
             <a:ext cx="1118256" cy="767727"/>
           </a:xfrm>
           <a:prstGeom prst="rect">
@@ -3391,14 +3391,14 @@
           <p:nvPr>
             <p:extLst>
               <p:ext uri="{D42A27DB-BD31-4B8C-83A1-F6EECF244321}">
-                <p14:modId xmlns:p14="http://schemas.microsoft.com/office/powerpoint/2010/main" val="778364399"/>
+                <p14:modId xmlns:p14="http://schemas.microsoft.com/office/powerpoint/2010/main" val="4033841214"/>
               </p:ext>
             </p:extLst>
           </p:nvPr>
         </p:nvGraphicFramePr>
         <p:xfrm>
-          <a:off x="5870825" y="3311244"/>
-          <a:ext cx="1888126" cy="426445"/>
+          <a:off x="5926600" y="2804681"/>
+          <a:ext cx="1391210" cy="759084"/>
         </p:xfrm>
         <a:graphic>
           <a:graphicData uri="http://schemas.openxmlformats.org/drawingml/2006/table">
@@ -3414,13 +3414,6 @@
                     </a:ext>
                   </a:extLst>
                 </a:gridCol>
-                <a:gridCol w="496916">
-                  <a:extLst>
-                    <a:ext uri="{9D8B030D-6E8A-4147-A177-3AD203B41FA5}">
-                      <a16:colId xmlns:a16="http://schemas.microsoft.com/office/drawing/2014/main" val="879769840"/>
-                    </a:ext>
-                  </a:extLst>
-                </a:gridCol>
                 <a:gridCol w="504117">
                   <a:extLst>
                     <a:ext uri="{9D8B030D-6E8A-4147-A177-3AD203B41FA5}">
@@ -3429,45 +3422,34 @@
                   </a:extLst>
                 </a:gridCol>
               </a:tblGrid>
-              <a:tr h="426445">
+              <a:tr h="759084">
                 <a:tc>
                   <a:txBody>
                     <a:bodyPr/>
                     <a:lstStyle/>
                     <a:p>
+                      <a:pPr algn="ctr"/>
                       <a:r>
                         <a:rPr lang="en-US" sz="1500" dirty="0"/>
                         <a:t>Training</a:t>
                       </a:r>
                     </a:p>
                   </a:txBody>
-                  <a:tcPr/>
+                  <a:tcPr anchor="ctr"/>
                 </a:tc>
                 <a:tc>
                   <a:txBody>
                     <a:bodyPr/>
                     <a:lstStyle/>
                     <a:p>
-                      <a:r>
-                        <a:rPr lang="en-US" sz="1500" dirty="0"/>
-                        <a:t>Dev</a:t>
-                      </a:r>
-                    </a:p>
-                  </a:txBody>
-                  <a:tcPr/>
-                </a:tc>
-                <a:tc>
-                  <a:txBody>
-                    <a:bodyPr/>
-                    <a:lstStyle/>
-                    <a:p>
+                      <a:pPr algn="ctr"/>
                       <a:r>
                         <a:rPr lang="en-US" sz="1500" dirty="0"/>
                         <a:t>Test</a:t>
                       </a:r>
                     </a:p>
                   </a:txBody>
-                  <a:tcPr/>
+                  <a:tcPr anchor="ctr"/>
                 </a:tc>
                 <a:extLst>
                   <a:ext uri="{0D108BD9-81ED-4DB2-BD59-A6C34878D82A}">
@@ -3493,8 +3475,8 @@
         </p:nvSpPr>
         <p:spPr>
           <a:xfrm>
-            <a:off x="8132714" y="192505"/>
-            <a:ext cx="1664737" cy="6368716"/>
+            <a:off x="7452700" y="192505"/>
+            <a:ext cx="2344752" cy="6368716"/>
           </a:xfrm>
           <a:prstGeom prst="flowChartProcess">
             <a:avLst/>
@@ -3534,10 +3516,10 @@
       </p:sp>
       <p:sp>
         <p:nvSpPr>
-          <p:cNvPr id="23" name="Arrow: Bent 22">
+          <p:cNvPr id="133" name="Arrow: Right 132">
             <a:extLst>
               <a:ext uri="{FF2B5EF4-FFF2-40B4-BE49-F238E27FC236}">
-                <a16:creationId xmlns:a16="http://schemas.microsoft.com/office/drawing/2014/main" id="{32C6E1DE-56D1-4EBA-B2D8-359327133812}"/>
+                <a16:creationId xmlns:a16="http://schemas.microsoft.com/office/drawing/2014/main" id="{82E3064C-A49D-42CA-9E3D-2A7327D34333}"/>
               </a:ext>
             </a:extLst>
           </p:cNvPr>
@@ -3546,136 +3528,8 @@
         </p:nvSpPr>
         <p:spPr>
           <a:xfrm>
-            <a:off x="7259053" y="1552744"/>
-            <a:ext cx="2967789" cy="1608066"/>
-          </a:xfrm>
-          <a:prstGeom prst="bentArrow">
-            <a:avLst>
-              <a:gd name="adj1" fmla="val 13590"/>
-              <a:gd name="adj2" fmla="val 12803"/>
-              <a:gd name="adj3" fmla="val 14377"/>
-              <a:gd name="adj4" fmla="val 43750"/>
-            </a:avLst>
-          </a:prstGeom>
-          <a:solidFill>
-            <a:schemeClr val="accent1">
-              <a:lumMod val="60000"/>
-              <a:lumOff val="40000"/>
-            </a:schemeClr>
-          </a:solidFill>
-          <a:ln>
-            <a:prstDash val="sysDash"/>
-          </a:ln>
-        </p:spPr>
-        <p:style>
-          <a:lnRef idx="2">
-            <a:schemeClr val="accent1">
-              <a:shade val="50000"/>
-            </a:schemeClr>
-          </a:lnRef>
-          <a:fillRef idx="1">
-            <a:schemeClr val="accent1"/>
-          </a:fillRef>
-          <a:effectRef idx="0">
-            <a:schemeClr val="accent1"/>
-          </a:effectRef>
-          <a:fontRef idx="minor">
-            <a:schemeClr val="lt1"/>
-          </a:fontRef>
-        </p:style>
-        <p:txBody>
-          <a:bodyPr rtlCol="0" anchor="ctr"/>
-          <a:lstStyle/>
-          <a:p>
-            <a:pPr algn="ctr"/>
-            <a:endParaRPr lang="en-US">
-              <a:solidFill>
-                <a:schemeClr val="tx1"/>
-              </a:solidFill>
-            </a:endParaRPr>
-          </a:p>
-        </p:txBody>
-      </p:sp>
-      <p:sp>
-        <p:nvSpPr>
-          <p:cNvPr id="132" name="Arrow: Bent 131">
-            <a:extLst>
-              <a:ext uri="{FF2B5EF4-FFF2-40B4-BE49-F238E27FC236}">
-                <a16:creationId xmlns:a16="http://schemas.microsoft.com/office/drawing/2014/main" id="{C343734F-41D8-4A86-86D2-844B0F1D53CC}"/>
-              </a:ext>
-            </a:extLst>
-          </p:cNvPr>
-          <p:cNvSpPr/>
-          <p:nvPr/>
-        </p:nvSpPr>
-        <p:spPr>
-          <a:xfrm flipV="1">
-            <a:off x="7259052" y="3888123"/>
-            <a:ext cx="2967789" cy="1608066"/>
-          </a:xfrm>
-          <a:prstGeom prst="bentArrow">
-            <a:avLst>
-              <a:gd name="adj1" fmla="val 13590"/>
-              <a:gd name="adj2" fmla="val 12803"/>
-              <a:gd name="adj3" fmla="val 14377"/>
-              <a:gd name="adj4" fmla="val 43750"/>
-            </a:avLst>
-          </a:prstGeom>
-          <a:solidFill>
-            <a:schemeClr val="accent1">
-              <a:lumMod val="60000"/>
-              <a:lumOff val="40000"/>
-            </a:schemeClr>
-          </a:solidFill>
-          <a:ln>
-            <a:prstDash val="sysDash"/>
-          </a:ln>
-        </p:spPr>
-        <p:style>
-          <a:lnRef idx="2">
-            <a:schemeClr val="accent1">
-              <a:shade val="50000"/>
-            </a:schemeClr>
-          </a:lnRef>
-          <a:fillRef idx="1">
-            <a:schemeClr val="accent1"/>
-          </a:fillRef>
-          <a:effectRef idx="0">
-            <a:schemeClr val="accent1"/>
-          </a:effectRef>
-          <a:fontRef idx="minor">
-            <a:schemeClr val="lt1"/>
-          </a:fontRef>
-        </p:style>
-        <p:txBody>
-          <a:bodyPr rtlCol="0" anchor="ctr"/>
-          <a:lstStyle/>
-          <a:p>
-            <a:pPr algn="ctr"/>
-            <a:endParaRPr lang="en-US">
-              <a:solidFill>
-                <a:schemeClr val="tx1"/>
-              </a:solidFill>
-            </a:endParaRPr>
-          </a:p>
-        </p:txBody>
-      </p:sp>
-      <p:sp>
-        <p:nvSpPr>
-          <p:cNvPr id="133" name="Arrow: Right 132">
-            <a:extLst>
-              <a:ext uri="{FF2B5EF4-FFF2-40B4-BE49-F238E27FC236}">
-                <a16:creationId xmlns:a16="http://schemas.microsoft.com/office/drawing/2014/main" id="{82E3064C-A49D-42CA-9E3D-2A7327D34333}"/>
-              </a:ext>
-            </a:extLst>
-          </p:cNvPr>
-          <p:cNvSpPr/>
-          <p:nvPr/>
-        </p:nvSpPr>
-        <p:spPr>
-          <a:xfrm>
-            <a:off x="7846455" y="3333501"/>
-            <a:ext cx="2380386" cy="396583"/>
+            <a:off x="7385726" y="2787419"/>
+            <a:ext cx="2873199" cy="838178"/>
           </a:xfrm>
           <a:prstGeom prst="rightArrow">
             <a:avLst>
@@ -3723,7 +3577,7 @@
         </p:nvSpPr>
         <p:spPr>
           <a:xfrm>
-            <a:off x="10419143" y="3236434"/>
+            <a:off x="10364398" y="1921202"/>
             <a:ext cx="1203158" cy="582280"/>
           </a:xfrm>
           <a:prstGeom prst="flowChartAlternateProcess">
@@ -3752,124 +3606,8 @@
           <a:p>
             <a:pPr algn="ctr"/>
             <a:r>
-              <a:rPr lang="en-US" dirty="0"/>
-              <a:t>Main Model</a:t>
-            </a:r>
-          </a:p>
-        </p:txBody>
-      </p:sp>
-      <p:sp>
-        <p:nvSpPr>
-          <p:cNvPr id="134" name="Flowchart: Alternate Process 133">
-            <a:extLst>
-              <a:ext uri="{FF2B5EF4-FFF2-40B4-BE49-F238E27FC236}">
-                <a16:creationId xmlns:a16="http://schemas.microsoft.com/office/drawing/2014/main" id="{EC6E08D3-F39B-4644-9FA1-F13989F42BFC}"/>
-              </a:ext>
-            </a:extLst>
-          </p:cNvPr>
-          <p:cNvSpPr/>
-          <p:nvPr/>
-        </p:nvSpPr>
-        <p:spPr>
-          <a:xfrm>
-            <a:off x="10419143" y="5017495"/>
-            <a:ext cx="1203158" cy="582280"/>
-          </a:xfrm>
-          <a:prstGeom prst="flowChartAlternateProcess">
-            <a:avLst/>
-          </a:prstGeom>
-          <a:solidFill>
-            <a:schemeClr val="accent1">
-              <a:lumMod val="60000"/>
-              <a:lumOff val="40000"/>
-            </a:schemeClr>
-          </a:solidFill>
-          <a:ln>
-            <a:prstDash val="sysDash"/>
-          </a:ln>
-        </p:spPr>
-        <p:style>
-          <a:lnRef idx="2">
-            <a:schemeClr val="accent1">
-              <a:shade val="50000"/>
-            </a:schemeClr>
-          </a:lnRef>
-          <a:fillRef idx="1">
-            <a:schemeClr val="accent1"/>
-          </a:fillRef>
-          <a:effectRef idx="0">
-            <a:schemeClr val="accent1"/>
-          </a:effectRef>
-          <a:fontRef idx="minor">
-            <a:schemeClr val="lt1"/>
-          </a:fontRef>
-        </p:style>
-        <p:txBody>
-          <a:bodyPr rtlCol="0" anchor="ctr"/>
-          <a:lstStyle/>
-          <a:p>
-            <a:pPr algn="ctr"/>
-            <a:r>
-              <a:rPr lang="en-US" dirty="0"/>
-              <a:t>Subset Model</a:t>
-            </a:r>
-          </a:p>
-        </p:txBody>
-      </p:sp>
-      <p:sp>
-        <p:nvSpPr>
-          <p:cNvPr id="135" name="Flowchart: Alternate Process 134">
-            <a:extLst>
-              <a:ext uri="{FF2B5EF4-FFF2-40B4-BE49-F238E27FC236}">
-                <a16:creationId xmlns:a16="http://schemas.microsoft.com/office/drawing/2014/main" id="{26619505-9589-455F-83DF-4FEE0D861CAA}"/>
-              </a:ext>
-            </a:extLst>
-          </p:cNvPr>
-          <p:cNvSpPr/>
-          <p:nvPr/>
-        </p:nvSpPr>
-        <p:spPr>
-          <a:xfrm>
-            <a:off x="10419143" y="1455373"/>
-            <a:ext cx="1203158" cy="582280"/>
-          </a:xfrm>
-          <a:prstGeom prst="flowChartAlternateProcess">
-            <a:avLst/>
-          </a:prstGeom>
-          <a:solidFill>
-            <a:schemeClr val="accent1">
-              <a:lumMod val="60000"/>
-              <a:lumOff val="40000"/>
-            </a:schemeClr>
-          </a:solidFill>
-          <a:ln>
-            <a:prstDash val="sysDash"/>
-          </a:ln>
-        </p:spPr>
-        <p:style>
-          <a:lnRef idx="2">
-            <a:schemeClr val="accent1">
-              <a:shade val="50000"/>
-            </a:schemeClr>
-          </a:lnRef>
-          <a:fillRef idx="1">
-            <a:schemeClr val="accent1"/>
-          </a:fillRef>
-          <a:effectRef idx="0">
-            <a:schemeClr val="accent1"/>
-          </a:effectRef>
-          <a:fontRef idx="minor">
-            <a:schemeClr val="lt1"/>
-          </a:fontRef>
-        </p:style>
-        <p:txBody>
-          <a:bodyPr rtlCol="0" anchor="ctr"/>
-          <a:lstStyle/>
-          <a:p>
-            <a:pPr algn="ctr"/>
-            <a:r>
-              <a:rPr lang="en-US" dirty="0"/>
-              <a:t>Subset Model</a:t>
+              <a:rPr lang="en-US" sz="1500" dirty="0"/>
+              <a:t>Model</a:t>
             </a:r>
           </a:p>
         </p:txBody>
@@ -3888,10 +3626,10 @@
         </p:nvGrpSpPr>
         <p:grpSpPr>
           <a:xfrm>
-            <a:off x="-13172" y="2481597"/>
-            <a:ext cx="4281957" cy="1872093"/>
-            <a:chOff x="-12593" y="748015"/>
-            <a:chExt cx="4281957" cy="1872093"/>
+            <a:off x="49227" y="1690350"/>
+            <a:ext cx="4217789" cy="1512264"/>
+            <a:chOff x="51575" y="724069"/>
+            <a:chExt cx="4217789" cy="1896039"/>
           </a:xfrm>
         </p:grpSpPr>
         <p:grpSp>
@@ -3908,10 +3646,10 @@
           </p:nvGrpSpPr>
           <p:grpSpPr>
             <a:xfrm>
-              <a:off x="-12593" y="865805"/>
-              <a:ext cx="1189281" cy="1745397"/>
-              <a:chOff x="645129" y="761532"/>
-              <a:chExt cx="1189281" cy="1745397"/>
+              <a:off x="51575" y="865805"/>
+              <a:ext cx="1249371" cy="1724752"/>
+              <a:chOff x="709297" y="761532"/>
+              <a:chExt cx="1249371" cy="1724752"/>
             </a:xfrm>
           </p:grpSpPr>
           <p:pic>
@@ -3967,8 +3705,8 @@
             </p:nvSpPr>
             <p:spPr>
               <a:xfrm>
-                <a:off x="645129" y="1675932"/>
-                <a:ext cx="1189281" cy="830997"/>
+                <a:off x="709297" y="1675932"/>
+                <a:ext cx="1249371" cy="810352"/>
               </a:xfrm>
               <a:prstGeom prst="rect">
                 <a:avLst/>
@@ -3984,7 +3722,7 @@
                 <a:pPr algn="ctr"/>
                 <a:r>
                   <a:rPr lang="en-US" sz="1200" dirty="0"/>
-                  <a:t>ZIP Codes Business Patterns (Census)</a:t>
+                  <a:t>County Business Patterns (Census)</a:t>
                 </a:r>
               </a:p>
             </p:txBody>
@@ -4050,10 +3788,10 @@
           </p:nvGrpSpPr>
           <p:grpSpPr>
             <a:xfrm>
-              <a:off x="2255677" y="780273"/>
-              <a:ext cx="2013687" cy="1386334"/>
-              <a:chOff x="2950368" y="493605"/>
-              <a:chExt cx="2013687" cy="1386334"/>
+              <a:off x="2255677" y="724069"/>
+              <a:ext cx="2013687" cy="1442538"/>
+              <a:chOff x="2950368" y="437401"/>
+              <a:chExt cx="2013687" cy="1442538"/>
             </a:xfrm>
           </p:grpSpPr>
           <p:grpSp>
@@ -4675,7 +4413,7 @@
                 <a:p>
                   <a:r>
                     <a:rPr lang="en-US" sz="1200" dirty="0"/>
-                    <a:t>Zip</a:t>
+                    <a:t>FIPS</a:t>
                   </a:r>
                 </a:p>
               </p:txBody>
@@ -4695,8 +4433,8 @@
             </p:nvSpPr>
             <p:spPr>
               <a:xfrm rot="2741845">
-                <a:off x="3080341" y="633116"/>
-                <a:ext cx="556022" cy="276999"/>
+                <a:off x="3029332" y="609671"/>
+                <a:ext cx="621540" cy="276999"/>
               </a:xfrm>
               <a:prstGeom prst="rect">
                 <a:avLst/>
@@ -4832,8 +4570,8 @@
         </p:nvGrpSpPr>
         <p:grpSpPr>
           <a:xfrm>
-            <a:off x="-6442" y="4444716"/>
-            <a:ext cx="4159446" cy="1634484"/>
+            <a:off x="-14751" y="3276913"/>
+            <a:ext cx="4159446" cy="1490400"/>
             <a:chOff x="-6442" y="4444716"/>
             <a:chExt cx="4159446" cy="1634484"/>
           </a:xfrm>
@@ -5626,7 +5364,7 @@
                 <a:p>
                   <a:r>
                     <a:rPr lang="en-US" sz="1200" dirty="0"/>
-                    <a:t>Zip</a:t>
+                    <a:t>FIPS</a:t>
                   </a:r>
                 </a:p>
               </p:txBody>
@@ -5783,8 +5521,8 @@
         </p:nvGrpSpPr>
         <p:grpSpPr>
           <a:xfrm>
-            <a:off x="-15042" y="740353"/>
-            <a:ext cx="4166600" cy="1653708"/>
+            <a:off x="-15042" y="106694"/>
+            <a:ext cx="4166600" cy="1510726"/>
             <a:chOff x="-14463" y="2703610"/>
             <a:chExt cx="4166600" cy="1653708"/>
           </a:xfrm>
@@ -5804,9 +5542,9 @@
           <p:grpSpPr>
             <a:xfrm>
               <a:off x="-14463" y="2703610"/>
-              <a:ext cx="1189281" cy="1376065"/>
+              <a:ext cx="1189281" cy="1419760"/>
               <a:chOff x="645129" y="761532"/>
-              <a:chExt cx="1189281" cy="1376065"/>
+              <a:chExt cx="1189281" cy="1419760"/>
             </a:xfrm>
           </p:grpSpPr>
           <p:pic>
@@ -5862,8 +5600,8 @@
             </p:nvSpPr>
             <p:spPr>
               <a:xfrm>
-                <a:off x="645129" y="1675932"/>
-                <a:ext cx="1189281" cy="461665"/>
+                <a:off x="645129" y="1675933"/>
+                <a:ext cx="1189281" cy="505359"/>
               </a:xfrm>
               <a:prstGeom prst="rect">
                 <a:avLst/>
@@ -5879,7 +5617,14 @@
                 <a:pPr algn="ctr"/>
                 <a:r>
                   <a:rPr lang="en-US" sz="1200" dirty="0"/>
-                  <a:t>IRS SOI Tax Stats</a:t>
+                  <a:t>SOI Tax Stats</a:t>
+                </a:r>
+              </a:p>
+              <a:p>
+                <a:pPr algn="ctr"/>
+                <a:r>
+                  <a:rPr lang="en-US" sz="1200" dirty="0"/>
+                  <a:t>(IRS)</a:t>
                 </a:r>
               </a:p>
             </p:txBody>
@@ -6570,7 +6315,7 @@
                 <a:p>
                   <a:r>
                     <a:rPr lang="en-US" sz="1200" dirty="0"/>
-                    <a:t>Zip</a:t>
+                    <a:t>FIPS</a:t>
                   </a:r>
                 </a:p>
               </p:txBody>
@@ -6713,187 +6458,120 @@
           </p:txBody>
         </p:sp>
       </p:grpSp>
-      <p:sp>
-        <p:nvSpPr>
-          <p:cNvPr id="3" name="Arrow: Right 2">
+      <p:grpSp>
+        <p:nvGrpSpPr>
+          <p:cNvPr id="2" name="Group 1">
             <a:extLst>
               <a:ext uri="{FF2B5EF4-FFF2-40B4-BE49-F238E27FC236}">
-                <a16:creationId xmlns:a16="http://schemas.microsoft.com/office/drawing/2014/main" id="{E3406C39-EBFC-4E26-B549-73BA878E5100}"/>
+                <a16:creationId xmlns:a16="http://schemas.microsoft.com/office/drawing/2014/main" id="{3782A2E6-AA0A-4578-BEF2-E59EBB4BE694}"/>
               </a:ext>
             </a:extLst>
           </p:cNvPr>
-          <p:cNvSpPr/>
+          <p:cNvGrpSpPr/>
           <p:nvPr/>
-        </p:nvSpPr>
-        <p:spPr>
+        </p:nvGrpSpPr>
+        <p:grpSpPr>
           <a:xfrm>
-            <a:off x="4152149" y="3102569"/>
+            <a:off x="4152149" y="2300469"/>
             <a:ext cx="1689947" cy="834410"/>
+            <a:chOff x="4152149" y="3102569"/>
+            <a:chExt cx="1689947" cy="834410"/>
           </a:xfrm>
-          <a:prstGeom prst="rightArrow">
-            <a:avLst/>
-          </a:prstGeom>
-        </p:spPr>
-        <p:style>
-          <a:lnRef idx="2">
-            <a:schemeClr val="accent1">
-              <a:shade val="50000"/>
-            </a:schemeClr>
-          </a:lnRef>
-          <a:fillRef idx="1">
-            <a:schemeClr val="accent1"/>
-          </a:fillRef>
-          <a:effectRef idx="0">
-            <a:schemeClr val="accent1"/>
-          </a:effectRef>
-          <a:fontRef idx="minor">
-            <a:schemeClr val="lt1"/>
-          </a:fontRef>
-        </p:style>
-        <p:txBody>
-          <a:bodyPr rtlCol="0" anchor="ctr"/>
-          <a:lstStyle/>
-          <a:p>
-            <a:pPr algn="ctr"/>
-            <a:endParaRPr lang="en-US"/>
-          </a:p>
-        </p:txBody>
-      </p:sp>
-      <p:pic>
-        <p:nvPicPr>
-          <p:cNvPr id="83" name="Picture 2">
-            <a:extLst>
-              <a:ext uri="{FF2B5EF4-FFF2-40B4-BE49-F238E27FC236}">
-                <a16:creationId xmlns:a16="http://schemas.microsoft.com/office/drawing/2014/main" id="{E56130CE-75AE-4EB6-8114-337FA8559B9D}"/>
-              </a:ext>
-            </a:extLst>
-          </p:cNvPr>
-          <p:cNvPicPr>
-            <a:picLocks noChangeAspect="1" noChangeArrowheads="1"/>
-          </p:cNvPicPr>
-          <p:nvPr/>
-        </p:nvPicPr>
-        <p:blipFill>
-          <a:blip r:embed="rId7">
-            <a:extLst>
-              <a:ext uri="{28A0092B-C50C-407E-A947-70E740481C1C}">
-                <a14:useLocalDpi xmlns:a14="http://schemas.microsoft.com/office/drawing/2010/main" val="0"/>
-              </a:ext>
-            </a:extLst>
-          </a:blip>
-          <a:srcRect/>
-          <a:stretch>
-            <a:fillRect/>
-          </a:stretch>
-        </p:blipFill>
-        <p:spPr bwMode="auto">
-          <a:xfrm>
-            <a:off x="4530330" y="3345541"/>
-            <a:ext cx="622259" cy="348465"/>
-          </a:xfrm>
-          <a:prstGeom prst="rect">
-            <a:avLst/>
-          </a:prstGeom>
-          <a:noFill/>
-          <a:extLst>
-            <a:ext uri="{909E8E84-426E-40DD-AFC4-6F175D3DCCD1}">
-              <a14:hiddenFill xmlns:a14="http://schemas.microsoft.com/office/drawing/2010/main">
-                <a:solidFill>
-                  <a:srgbClr val="FFFFFF"/>
-                </a:solidFill>
-              </a14:hiddenFill>
-            </a:ext>
-          </a:extLst>
-        </p:spPr>
-      </p:pic>
-      <p:sp>
-        <p:nvSpPr>
-          <p:cNvPr id="162" name="Flowchart: Process 161">
-            <a:extLst>
-              <a:ext uri="{FF2B5EF4-FFF2-40B4-BE49-F238E27FC236}">
-                <a16:creationId xmlns:a16="http://schemas.microsoft.com/office/drawing/2014/main" id="{E06DBE4A-920B-4E06-AFC7-E4C6781DB946}"/>
-              </a:ext>
-            </a:extLst>
-          </p:cNvPr>
-          <p:cNvSpPr/>
-          <p:nvPr/>
-        </p:nvSpPr>
-        <p:spPr>
-          <a:xfrm>
-            <a:off x="121034" y="6172485"/>
-            <a:ext cx="4031103" cy="451291"/>
-          </a:xfrm>
-          <a:prstGeom prst="flowChartProcess">
-            <a:avLst/>
-          </a:prstGeom>
-          <a:noFill/>
-          <a:ln>
-            <a:solidFill>
-              <a:srgbClr val="0070C0"/>
-            </a:solidFill>
-            <a:prstDash val="sysDash"/>
-          </a:ln>
-        </p:spPr>
-        <p:style>
-          <a:lnRef idx="2">
-            <a:schemeClr val="accent1">
-              <a:shade val="50000"/>
-            </a:schemeClr>
-          </a:lnRef>
-          <a:fillRef idx="1">
-            <a:schemeClr val="accent1"/>
-          </a:fillRef>
-          <a:effectRef idx="0">
-            <a:schemeClr val="accent1"/>
-          </a:effectRef>
-          <a:fontRef idx="minor">
-            <a:schemeClr val="lt1"/>
-          </a:fontRef>
-        </p:style>
-        <p:txBody>
-          <a:bodyPr rtlCol="0" anchor="ctr"/>
-          <a:lstStyle/>
-          <a:p>
-            <a:pPr algn="ctr"/>
-            <a:endParaRPr lang="en-US"/>
-          </a:p>
-        </p:txBody>
-      </p:sp>
-      <p:sp>
-        <p:nvSpPr>
-          <p:cNvPr id="30" name="TextBox 29">
-            <a:extLst>
-              <a:ext uri="{FF2B5EF4-FFF2-40B4-BE49-F238E27FC236}">
-                <a16:creationId xmlns:a16="http://schemas.microsoft.com/office/drawing/2014/main" id="{193B3AAA-A890-4B6A-848B-AA378775FC05}"/>
-              </a:ext>
-            </a:extLst>
-          </p:cNvPr>
-          <p:cNvSpPr txBox="1"/>
-          <p:nvPr/>
-        </p:nvSpPr>
-        <p:spPr>
-          <a:xfrm>
-            <a:off x="207583" y="6209284"/>
-            <a:ext cx="3858004" cy="369332"/>
-          </a:xfrm>
-          <a:prstGeom prst="rect">
-            <a:avLst/>
-          </a:prstGeom>
-          <a:noFill/>
-        </p:spPr>
-        <p:txBody>
-          <a:bodyPr wrap="square" rtlCol="0">
-            <a:spAutoFit/>
-          </a:bodyPr>
-          <a:lstStyle/>
-          <a:p>
-            <a:r>
-              <a:rPr lang="en-US" dirty="0"/>
-              <a:t>Additional Data module – Future Works</a:t>
-            </a:r>
-          </a:p>
-        </p:txBody>
-      </p:sp>
+        </p:grpSpPr>
+        <p:sp>
+          <p:nvSpPr>
+            <p:cNvPr id="3" name="Arrow: Right 2">
+              <a:extLst>
+                <a:ext uri="{FF2B5EF4-FFF2-40B4-BE49-F238E27FC236}">
+                  <a16:creationId xmlns:a16="http://schemas.microsoft.com/office/drawing/2014/main" id="{E3406C39-EBFC-4E26-B549-73BA878E5100}"/>
+                </a:ext>
+              </a:extLst>
+            </p:cNvPr>
+            <p:cNvSpPr/>
+            <p:nvPr/>
+          </p:nvSpPr>
+          <p:spPr>
+            <a:xfrm>
+              <a:off x="4152149" y="3102569"/>
+              <a:ext cx="1689947" cy="834410"/>
+            </a:xfrm>
+            <a:prstGeom prst="rightArrow">
+              <a:avLst/>
+            </a:prstGeom>
+          </p:spPr>
+          <p:style>
+            <a:lnRef idx="2">
+              <a:schemeClr val="accent1">
+                <a:shade val="50000"/>
+              </a:schemeClr>
+            </a:lnRef>
+            <a:fillRef idx="1">
+              <a:schemeClr val="accent1"/>
+            </a:fillRef>
+            <a:effectRef idx="0">
+              <a:schemeClr val="accent1"/>
+            </a:effectRef>
+            <a:fontRef idx="minor">
+              <a:schemeClr val="lt1"/>
+            </a:fontRef>
+          </p:style>
+          <p:txBody>
+            <a:bodyPr rtlCol="0" anchor="ctr"/>
+            <a:lstStyle/>
+            <a:p>
+              <a:pPr algn="ctr"/>
+              <a:endParaRPr lang="en-US"/>
+            </a:p>
+          </p:txBody>
+        </p:sp>
+        <p:pic>
+          <p:nvPicPr>
+            <p:cNvPr id="83" name="Picture 2">
+              <a:extLst>
+                <a:ext uri="{FF2B5EF4-FFF2-40B4-BE49-F238E27FC236}">
+                  <a16:creationId xmlns:a16="http://schemas.microsoft.com/office/drawing/2014/main" id="{E56130CE-75AE-4EB6-8114-337FA8559B9D}"/>
+                </a:ext>
+              </a:extLst>
+            </p:cNvPr>
+            <p:cNvPicPr>
+              <a:picLocks noChangeAspect="1" noChangeArrowheads="1"/>
+            </p:cNvPicPr>
+            <p:nvPr/>
+          </p:nvPicPr>
+          <p:blipFill>
+            <a:blip r:embed="rId7">
+              <a:extLst>
+                <a:ext uri="{28A0092B-C50C-407E-A947-70E740481C1C}">
+                  <a14:useLocalDpi xmlns:a14="http://schemas.microsoft.com/office/drawing/2010/main" val="0"/>
+                </a:ext>
+              </a:extLst>
+            </a:blip>
+            <a:srcRect/>
+            <a:stretch>
+              <a:fillRect/>
+            </a:stretch>
+          </p:blipFill>
+          <p:spPr bwMode="auto">
+            <a:xfrm>
+              <a:off x="4530330" y="3345541"/>
+              <a:ext cx="622259" cy="348465"/>
+            </a:xfrm>
+            <a:prstGeom prst="rect">
+              <a:avLst/>
+            </a:prstGeom>
+            <a:noFill/>
+            <a:extLst>
+              <a:ext uri="{909E8E84-426E-40DD-AFC4-6F175D3DCCD1}">
+                <a14:hiddenFill xmlns:a14="http://schemas.microsoft.com/office/drawing/2010/main">
+                  <a:solidFill>
+                    <a:srgbClr val="FFFFFF"/>
+                  </a:solidFill>
+                </a14:hiddenFill>
+              </a:ext>
+            </a:extLst>
+          </p:spPr>
+        </p:pic>
+      </p:grpSp>
       <p:sp>
         <p:nvSpPr>
           <p:cNvPr id="31" name="Arrow: Bent-Up 30">
@@ -6944,56 +6622,6 @@
           </a:p>
         </p:txBody>
       </p:sp>
-      <p:sp>
-        <p:nvSpPr>
-          <p:cNvPr id="163" name="Arrow: Bent-Up 162">
-            <a:extLst>
-              <a:ext uri="{FF2B5EF4-FFF2-40B4-BE49-F238E27FC236}">
-                <a16:creationId xmlns:a16="http://schemas.microsoft.com/office/drawing/2014/main" id="{F9965CC0-DB6E-456C-A3F9-E12D2D72DB2F}"/>
-              </a:ext>
-            </a:extLst>
-          </p:cNvPr>
-          <p:cNvSpPr/>
-          <p:nvPr/>
-        </p:nvSpPr>
-        <p:spPr>
-          <a:xfrm flipV="1">
-            <a:off x="4166540" y="1466693"/>
-            <a:ext cx="2035223" cy="1780167"/>
-          </a:xfrm>
-          <a:prstGeom prst="bentUpArrow">
-            <a:avLst>
-              <a:gd name="adj1" fmla="val 21140"/>
-              <a:gd name="adj2" fmla="val 18737"/>
-              <a:gd name="adj3" fmla="val 25000"/>
-            </a:avLst>
-          </a:prstGeom>
-        </p:spPr>
-        <p:style>
-          <a:lnRef idx="2">
-            <a:schemeClr val="accent1">
-              <a:shade val="50000"/>
-            </a:schemeClr>
-          </a:lnRef>
-          <a:fillRef idx="1">
-            <a:schemeClr val="accent1"/>
-          </a:fillRef>
-          <a:effectRef idx="0">
-            <a:schemeClr val="accent1"/>
-          </a:effectRef>
-          <a:fontRef idx="minor">
-            <a:schemeClr val="lt1"/>
-          </a:fontRef>
-        </p:style>
-        <p:txBody>
-          <a:bodyPr rtlCol="0" anchor="ctr"/>
-          <a:lstStyle/>
-          <a:p>
-            <a:pPr algn="ctr"/>
-            <a:endParaRPr lang="en-US"/>
-          </a:p>
-        </p:txBody>
-      </p:sp>
       <p:pic>
         <p:nvPicPr>
           <p:cNvPr id="164" name="Picture 2">
@@ -7041,59 +6669,1202 @@
           </a:extLst>
         </p:spPr>
       </p:pic>
-      <p:pic>
-        <p:nvPicPr>
-          <p:cNvPr id="165" name="Picture 2">
+      <p:grpSp>
+        <p:nvGrpSpPr>
+          <p:cNvPr id="4" name="Group 3">
             <a:extLst>
               <a:ext uri="{FF2B5EF4-FFF2-40B4-BE49-F238E27FC236}">
-                <a16:creationId xmlns:a16="http://schemas.microsoft.com/office/drawing/2014/main" id="{C32325CC-0331-458F-99F3-ABD856ABDCC4}"/>
+                <a16:creationId xmlns:a16="http://schemas.microsoft.com/office/drawing/2014/main" id="{6103E9C5-F0AB-40FA-B611-BB74D507E746}"/>
               </a:ext>
             </a:extLst>
           </p:cNvPr>
-          <p:cNvPicPr>
-            <a:picLocks noChangeAspect="1" noChangeArrowheads="1"/>
-          </p:cNvPicPr>
+          <p:cNvGrpSpPr/>
           <p:nvPr/>
-        </p:nvPicPr>
-        <p:blipFill>
-          <a:blip r:embed="rId7">
-            <a:extLst>
-              <a:ext uri="{28A0092B-C50C-407E-A947-70E740481C1C}">
-                <a14:useLocalDpi xmlns:a14="http://schemas.microsoft.com/office/drawing/2010/main" val="0"/>
-              </a:ext>
-            </a:extLst>
-          </a:blip>
-          <a:srcRect/>
-          <a:stretch>
-            <a:fillRect/>
-          </a:stretch>
-        </p:blipFill>
-        <p:spPr bwMode="auto">
+        </p:nvGrpSpPr>
+        <p:grpSpPr>
           <a:xfrm>
-            <a:off x="4558002" y="1480520"/>
-            <a:ext cx="622259" cy="348465"/>
+            <a:off x="4166540" y="841055"/>
+            <a:ext cx="2035223" cy="1780167"/>
+            <a:chOff x="4166540" y="1466693"/>
+            <a:chExt cx="2035223" cy="1780167"/>
           </a:xfrm>
-          <a:prstGeom prst="rect">
-            <a:avLst/>
-          </a:prstGeom>
-          <a:noFill/>
-          <a:extLst>
-            <a:ext uri="{909E8E84-426E-40DD-AFC4-6F175D3DCCD1}">
-              <a14:hiddenFill xmlns:a14="http://schemas.microsoft.com/office/drawing/2010/main">
-                <a:solidFill>
-                  <a:srgbClr val="FFFFFF"/>
-                </a:solidFill>
-              </a14:hiddenFill>
-            </a:ext>
-          </a:extLst>
-        </p:spPr>
-      </p:pic>
+        </p:grpSpPr>
+        <p:sp>
+          <p:nvSpPr>
+            <p:cNvPr id="163" name="Arrow: Bent-Up 162">
+              <a:extLst>
+                <a:ext uri="{FF2B5EF4-FFF2-40B4-BE49-F238E27FC236}">
+                  <a16:creationId xmlns:a16="http://schemas.microsoft.com/office/drawing/2014/main" id="{F9965CC0-DB6E-456C-A3F9-E12D2D72DB2F}"/>
+                </a:ext>
+              </a:extLst>
+            </p:cNvPr>
+            <p:cNvSpPr/>
+            <p:nvPr/>
+          </p:nvSpPr>
+          <p:spPr>
+            <a:xfrm flipV="1">
+              <a:off x="4166540" y="1466693"/>
+              <a:ext cx="2035223" cy="1780167"/>
+            </a:xfrm>
+            <a:prstGeom prst="bentUpArrow">
+              <a:avLst>
+                <a:gd name="adj1" fmla="val 21140"/>
+                <a:gd name="adj2" fmla="val 18737"/>
+                <a:gd name="adj3" fmla="val 25000"/>
+              </a:avLst>
+            </a:prstGeom>
+          </p:spPr>
+          <p:style>
+            <a:lnRef idx="2">
+              <a:schemeClr val="accent1">
+                <a:shade val="50000"/>
+              </a:schemeClr>
+            </a:lnRef>
+            <a:fillRef idx="1">
+              <a:schemeClr val="accent1"/>
+            </a:fillRef>
+            <a:effectRef idx="0">
+              <a:schemeClr val="accent1"/>
+            </a:effectRef>
+            <a:fontRef idx="minor">
+              <a:schemeClr val="lt1"/>
+            </a:fontRef>
+          </p:style>
+          <p:txBody>
+            <a:bodyPr rtlCol="0" anchor="ctr"/>
+            <a:lstStyle/>
+            <a:p>
+              <a:pPr algn="ctr"/>
+              <a:endParaRPr lang="en-US"/>
+            </a:p>
+          </p:txBody>
+        </p:sp>
+        <p:pic>
+          <p:nvPicPr>
+            <p:cNvPr id="165" name="Picture 2">
+              <a:extLst>
+                <a:ext uri="{FF2B5EF4-FFF2-40B4-BE49-F238E27FC236}">
+                  <a16:creationId xmlns:a16="http://schemas.microsoft.com/office/drawing/2014/main" id="{C32325CC-0331-458F-99F3-ABD856ABDCC4}"/>
+                </a:ext>
+              </a:extLst>
+            </p:cNvPr>
+            <p:cNvPicPr>
+              <a:picLocks noChangeAspect="1" noChangeArrowheads="1"/>
+            </p:cNvPicPr>
+            <p:nvPr/>
+          </p:nvPicPr>
+          <p:blipFill>
+            <a:blip r:embed="rId7">
+              <a:extLst>
+                <a:ext uri="{28A0092B-C50C-407E-A947-70E740481C1C}">
+                  <a14:useLocalDpi xmlns:a14="http://schemas.microsoft.com/office/drawing/2010/main" val="0"/>
+                </a:ext>
+              </a:extLst>
+            </a:blip>
+            <a:srcRect/>
+            <a:stretch>
+              <a:fillRect/>
+            </a:stretch>
+          </p:blipFill>
+          <p:spPr bwMode="auto">
+            <a:xfrm>
+              <a:off x="4558002" y="1480520"/>
+              <a:ext cx="622259" cy="348465"/>
+            </a:xfrm>
+            <a:prstGeom prst="rect">
+              <a:avLst/>
+            </a:prstGeom>
+            <a:noFill/>
+            <a:extLst>
+              <a:ext uri="{909E8E84-426E-40DD-AFC4-6F175D3DCCD1}">
+                <a14:hiddenFill xmlns:a14="http://schemas.microsoft.com/office/drawing/2010/main">
+                  <a:solidFill>
+                    <a:srgbClr val="FFFFFF"/>
+                  </a:solidFill>
+                </a14:hiddenFill>
+              </a:ext>
+            </a:extLst>
+          </p:spPr>
+        </p:pic>
+      </p:grpSp>
+      <p:grpSp>
+        <p:nvGrpSpPr>
+          <p:cNvPr id="139" name="Group 138">
+            <a:extLst>
+              <a:ext uri="{FF2B5EF4-FFF2-40B4-BE49-F238E27FC236}">
+                <a16:creationId xmlns:a16="http://schemas.microsoft.com/office/drawing/2014/main" id="{8BC5FB01-F88B-4C08-B4DF-E958EBA3929B}"/>
+              </a:ext>
+            </a:extLst>
+          </p:cNvPr>
+          <p:cNvGrpSpPr/>
+          <p:nvPr/>
+        </p:nvGrpSpPr>
+        <p:grpSpPr>
+          <a:xfrm>
+            <a:off x="-24669" y="4865180"/>
+            <a:ext cx="4159446" cy="1611286"/>
+            <a:chOff x="-6442" y="4444715"/>
+            <a:chExt cx="4159446" cy="1767057"/>
+          </a:xfrm>
+        </p:grpSpPr>
+        <p:grpSp>
+          <p:nvGrpSpPr>
+            <p:cNvPr id="140" name="Group 139">
+              <a:extLst>
+                <a:ext uri="{FF2B5EF4-FFF2-40B4-BE49-F238E27FC236}">
+                  <a16:creationId xmlns:a16="http://schemas.microsoft.com/office/drawing/2014/main" id="{567AAF03-0157-4411-84E0-8E66263805F7}"/>
+                </a:ext>
+              </a:extLst>
+            </p:cNvPr>
+            <p:cNvGrpSpPr/>
+            <p:nvPr/>
+          </p:nvGrpSpPr>
+          <p:grpSpPr>
+            <a:xfrm>
+              <a:off x="-6442" y="4588557"/>
+              <a:ext cx="1189281" cy="1623215"/>
+              <a:chOff x="645129" y="761532"/>
+              <a:chExt cx="1189281" cy="1623215"/>
+            </a:xfrm>
+          </p:grpSpPr>
+          <p:pic>
+            <p:nvPicPr>
+              <p:cNvPr id="168" name="Graphic 167" descr="Database">
+                <a:extLst>
+                  <a:ext uri="{FF2B5EF4-FFF2-40B4-BE49-F238E27FC236}">
+                    <a16:creationId xmlns:a16="http://schemas.microsoft.com/office/drawing/2014/main" id="{4CAF3A70-0667-4F43-BE7B-3C60D3EA7816}"/>
+                  </a:ext>
+                </a:extLst>
+              </p:cNvPr>
+              <p:cNvPicPr>
+                <a:picLocks noChangeAspect="1"/>
+              </p:cNvPicPr>
+              <p:nvPr/>
+            </p:nvPicPr>
+            <p:blipFill>
+              <a:blip r:embed="rId3">
+                <a:extLst>
+                  <a:ext uri="{28A0092B-C50C-407E-A947-70E740481C1C}">
+                    <a14:useLocalDpi xmlns:a14="http://schemas.microsoft.com/office/drawing/2010/main" val="0"/>
+                  </a:ext>
+                  <a:ext uri="{96DAC541-7B7A-43D3-8B79-37D633B846F1}">
+                    <asvg:svgBlip xmlns:asvg="http://schemas.microsoft.com/office/drawing/2016/SVG/main" r:embed="rId4"/>
+                  </a:ext>
+                </a:extLst>
+              </a:blip>
+              <a:stretch>
+                <a:fillRect/>
+              </a:stretch>
+            </p:blipFill>
+            <p:spPr>
+              <a:xfrm>
+                <a:off x="780700" y="761532"/>
+                <a:ext cx="914400" cy="914400"/>
+              </a:xfrm>
+              <a:prstGeom prst="rect">
+                <a:avLst/>
+              </a:prstGeom>
+            </p:spPr>
+          </p:pic>
+          <p:sp>
+            <p:nvSpPr>
+              <p:cNvPr id="169" name="TextBox 168">
+                <a:extLst>
+                  <a:ext uri="{FF2B5EF4-FFF2-40B4-BE49-F238E27FC236}">
+                    <a16:creationId xmlns:a16="http://schemas.microsoft.com/office/drawing/2014/main" id="{5E0B64A1-5EF2-4ED7-8BBD-7078054EDE78}"/>
+                  </a:ext>
+                </a:extLst>
+              </p:cNvPr>
+              <p:cNvSpPr txBox="1"/>
+              <p:nvPr/>
+            </p:nvSpPr>
+            <p:spPr>
+              <a:xfrm>
+                <a:off x="645129" y="1675932"/>
+                <a:ext cx="1189281" cy="708815"/>
+              </a:xfrm>
+              <a:prstGeom prst="rect">
+                <a:avLst/>
+              </a:prstGeom>
+              <a:noFill/>
+            </p:spPr>
+            <p:txBody>
+              <a:bodyPr wrap="square" rtlCol="0">
+                <a:spAutoFit/>
+              </a:bodyPr>
+              <a:lstStyle/>
+              <a:p>
+                <a:pPr algn="ctr"/>
+                <a:r>
+                  <a:rPr lang="en-US" sz="1200" dirty="0"/>
+                  <a:t>Education</a:t>
+                </a:r>
+              </a:p>
+              <a:p>
+                <a:pPr algn="ctr"/>
+                <a:r>
+                  <a:rPr lang="en-US" sz="1200" dirty="0"/>
+                  <a:t>Attainment</a:t>
+                </a:r>
+              </a:p>
+              <a:p>
+                <a:pPr algn="ctr"/>
+                <a:r>
+                  <a:rPr lang="en-US" sz="1200" dirty="0"/>
+                  <a:t>(Census)</a:t>
+                </a:r>
+              </a:p>
+            </p:txBody>
+          </p:sp>
+        </p:grpSp>
+        <p:sp>
+          <p:nvSpPr>
+            <p:cNvPr id="141" name="Arrow: Right 140">
+              <a:extLst>
+                <a:ext uri="{FF2B5EF4-FFF2-40B4-BE49-F238E27FC236}">
+                  <a16:creationId xmlns:a16="http://schemas.microsoft.com/office/drawing/2014/main" id="{8BD5E1ED-B532-4C14-B3A2-C1EDB1F8111C}"/>
+                </a:ext>
+              </a:extLst>
+            </p:cNvPr>
+            <p:cNvSpPr/>
+            <p:nvPr/>
+          </p:nvSpPr>
+          <p:spPr>
+            <a:xfrm>
+              <a:off x="1018680" y="4630258"/>
+              <a:ext cx="1396844" cy="830997"/>
+            </a:xfrm>
+            <a:prstGeom prst="rightArrow">
+              <a:avLst/>
+            </a:prstGeom>
+          </p:spPr>
+          <p:style>
+            <a:lnRef idx="2">
+              <a:schemeClr val="accent1">
+                <a:shade val="50000"/>
+              </a:schemeClr>
+            </a:lnRef>
+            <a:fillRef idx="1">
+              <a:schemeClr val="accent1"/>
+            </a:fillRef>
+            <a:effectRef idx="0">
+              <a:schemeClr val="accent1"/>
+            </a:effectRef>
+            <a:fontRef idx="minor">
+              <a:schemeClr val="lt1"/>
+            </a:fontRef>
+          </p:style>
+          <p:txBody>
+            <a:bodyPr rtlCol="0" anchor="ctr"/>
+            <a:lstStyle/>
+            <a:p>
+              <a:pPr algn="ctr"/>
+              <a:endParaRPr lang="en-US" dirty="0"/>
+            </a:p>
+          </p:txBody>
+        </p:sp>
+        <p:grpSp>
+          <p:nvGrpSpPr>
+            <p:cNvPr id="142" name="Group 141">
+              <a:extLst>
+                <a:ext uri="{FF2B5EF4-FFF2-40B4-BE49-F238E27FC236}">
+                  <a16:creationId xmlns:a16="http://schemas.microsoft.com/office/drawing/2014/main" id="{6C9B0319-5A46-419D-BEC4-0F14137E3B6E}"/>
+                </a:ext>
+              </a:extLst>
+            </p:cNvPr>
+            <p:cNvGrpSpPr/>
+            <p:nvPr/>
+          </p:nvGrpSpPr>
+          <p:grpSpPr>
+            <a:xfrm>
+              <a:off x="2249817" y="4532121"/>
+              <a:ext cx="1737686" cy="1386334"/>
+              <a:chOff x="2950368" y="493605"/>
+              <a:chExt cx="1737686" cy="1386334"/>
+            </a:xfrm>
+          </p:grpSpPr>
+          <p:grpSp>
+            <p:nvGrpSpPr>
+              <p:cNvPr id="145" name="Group 144">
+                <a:extLst>
+                  <a:ext uri="{FF2B5EF4-FFF2-40B4-BE49-F238E27FC236}">
+                    <a16:creationId xmlns:a16="http://schemas.microsoft.com/office/drawing/2014/main" id="{025A0AB7-ED43-4A6D-B7CA-8A4E573140A1}"/>
+                  </a:ext>
+                </a:extLst>
+              </p:cNvPr>
+              <p:cNvGrpSpPr/>
+              <p:nvPr/>
+            </p:nvGrpSpPr>
+            <p:grpSpPr>
+              <a:xfrm>
+                <a:off x="2950368" y="528243"/>
+                <a:ext cx="1737686" cy="1351696"/>
+                <a:chOff x="2950368" y="528243"/>
+                <a:chExt cx="1737686" cy="1351696"/>
+              </a:xfrm>
+            </p:grpSpPr>
+            <p:grpSp>
+              <p:nvGrpSpPr>
+                <p:cNvPr id="147" name="Group 146">
+                  <a:extLst>
+                    <a:ext uri="{FF2B5EF4-FFF2-40B4-BE49-F238E27FC236}">
+                      <a16:creationId xmlns:a16="http://schemas.microsoft.com/office/drawing/2014/main" id="{E455FB69-052C-41E6-A014-CA69B73A2765}"/>
+                    </a:ext>
+                  </a:extLst>
+                </p:cNvPr>
+                <p:cNvGrpSpPr/>
+                <p:nvPr/>
+              </p:nvGrpSpPr>
+              <p:grpSpPr>
+                <a:xfrm>
+                  <a:off x="2950368" y="528243"/>
+                  <a:ext cx="1737686" cy="1351696"/>
+                  <a:chOff x="2950368" y="528243"/>
+                  <a:chExt cx="1737686" cy="1351696"/>
+                </a:xfrm>
+              </p:grpSpPr>
+              <p:grpSp>
+                <p:nvGrpSpPr>
+                  <p:cNvPr id="149" name="Group 148">
+                    <a:extLst>
+                      <a:ext uri="{FF2B5EF4-FFF2-40B4-BE49-F238E27FC236}">
+                        <a16:creationId xmlns:a16="http://schemas.microsoft.com/office/drawing/2014/main" id="{EBD5F941-C109-4A0F-BBD1-D9C669F87F40}"/>
+                      </a:ext>
+                    </a:extLst>
+                  </p:cNvPr>
+                  <p:cNvGrpSpPr/>
+                  <p:nvPr/>
+                </p:nvGrpSpPr>
+                <p:grpSpPr>
+                  <a:xfrm>
+                    <a:off x="2950368" y="528243"/>
+                    <a:ext cx="1632347" cy="1351696"/>
+                    <a:chOff x="2952750" y="526582"/>
+                    <a:chExt cx="1632347" cy="1351696"/>
+                  </a:xfrm>
+                </p:grpSpPr>
+                <p:grpSp>
+                  <p:nvGrpSpPr>
+                    <p:cNvPr id="151" name="Group 150">
+                      <a:extLst>
+                        <a:ext uri="{FF2B5EF4-FFF2-40B4-BE49-F238E27FC236}">
+                          <a16:creationId xmlns:a16="http://schemas.microsoft.com/office/drawing/2014/main" id="{BBFCADE3-7788-4F35-85B3-6EFA67973061}"/>
+                        </a:ext>
+                      </a:extLst>
+                    </p:cNvPr>
+                    <p:cNvGrpSpPr/>
+                    <p:nvPr/>
+                  </p:nvGrpSpPr>
+                  <p:grpSpPr>
+                    <a:xfrm>
+                      <a:off x="3550444" y="1047282"/>
+                      <a:ext cx="1034653" cy="830996"/>
+                      <a:chOff x="3964781" y="1675932"/>
+                      <a:chExt cx="1034653" cy="830996"/>
+                    </a:xfrm>
+                  </p:grpSpPr>
+                  <p:grpSp>
+                    <p:nvGrpSpPr>
+                      <p:cNvPr id="155" name="Group 154">
+                        <a:extLst>
+                          <a:ext uri="{FF2B5EF4-FFF2-40B4-BE49-F238E27FC236}">
+                            <a16:creationId xmlns:a16="http://schemas.microsoft.com/office/drawing/2014/main" id="{C7C7510D-6B54-4741-9B4C-4458FF8AE38D}"/>
+                          </a:ext>
+                        </a:extLst>
+                      </p:cNvPr>
+                      <p:cNvGrpSpPr/>
+                      <p:nvPr/>
+                    </p:nvGrpSpPr>
+                    <p:grpSpPr>
+                      <a:xfrm>
+                        <a:off x="3964781" y="1675932"/>
+                        <a:ext cx="748903" cy="525066"/>
+                        <a:chOff x="5036344" y="2010103"/>
+                        <a:chExt cx="748903" cy="525066"/>
+                      </a:xfrm>
+                    </p:grpSpPr>
+                    <p:sp>
+                      <p:nvSpPr>
+                        <p:cNvPr id="166" name="Rectangle 165">
+                          <a:extLst>
+                            <a:ext uri="{FF2B5EF4-FFF2-40B4-BE49-F238E27FC236}">
+                              <a16:creationId xmlns:a16="http://schemas.microsoft.com/office/drawing/2014/main" id="{F789FDA9-784F-4F81-A057-AE22F1898233}"/>
+                            </a:ext>
+                          </a:extLst>
+                        </p:cNvPr>
+                        <p:cNvSpPr/>
+                        <p:nvPr/>
+                      </p:nvSpPr>
+                      <p:spPr>
+                        <a:xfrm>
+                          <a:off x="5036344" y="2010103"/>
+                          <a:ext cx="748903" cy="525066"/>
+                        </a:xfrm>
+                        <a:prstGeom prst="rect">
+                          <a:avLst/>
+                        </a:prstGeom>
+                        <a:solidFill>
+                          <a:schemeClr val="bg1"/>
+                        </a:solidFill>
+                        <a:ln>
+                          <a:solidFill>
+                            <a:schemeClr val="bg1"/>
+                          </a:solidFill>
+                        </a:ln>
+                      </p:spPr>
+                      <p:style>
+                        <a:lnRef idx="2">
+                          <a:schemeClr val="accent1">
+                            <a:shade val="50000"/>
+                          </a:schemeClr>
+                        </a:lnRef>
+                        <a:fillRef idx="1">
+                          <a:schemeClr val="accent1"/>
+                        </a:fillRef>
+                        <a:effectRef idx="0">
+                          <a:schemeClr val="accent1"/>
+                        </a:effectRef>
+                        <a:fontRef idx="minor">
+                          <a:schemeClr val="lt1"/>
+                        </a:fontRef>
+                      </p:style>
+                      <p:txBody>
+                        <a:bodyPr rtlCol="0" anchor="ctr"/>
+                        <a:lstStyle/>
+                        <a:p>
+                          <a:pPr algn="ctr"/>
+                          <a:endParaRPr lang="en-US"/>
+                        </a:p>
+                      </p:txBody>
+                    </p:sp>
+                    <p:pic>
+                      <p:nvPicPr>
+                        <p:cNvPr id="167" name="Graphic 166" descr="Table">
+                          <a:extLst>
+                            <a:ext uri="{FF2B5EF4-FFF2-40B4-BE49-F238E27FC236}">
+                              <a16:creationId xmlns:a16="http://schemas.microsoft.com/office/drawing/2014/main" id="{8EC5BE1A-178F-45EB-A6B2-B93C6B008DEA}"/>
+                            </a:ext>
+                          </a:extLst>
+                        </p:cNvPr>
+                        <p:cNvPicPr>
+                          <a:picLocks noChangeAspect="1"/>
+                        </p:cNvPicPr>
+                        <p:nvPr/>
+                      </p:nvPicPr>
+                      <p:blipFill rotWithShape="1">
+                        <a:blip r:embed="rId5">
+                          <a:extLst>
+                            <a:ext uri="{28A0092B-C50C-407E-A947-70E740481C1C}">
+                              <a14:useLocalDpi xmlns:a14="http://schemas.microsoft.com/office/drawing/2010/main" val="0"/>
+                            </a:ext>
+                            <a:ext uri="{96DAC541-7B7A-43D3-8B79-37D633B846F1}">
+                              <asvg:svgBlip xmlns:asvg="http://schemas.microsoft.com/office/drawing/2016/SVG/main" r:embed="rId6"/>
+                            </a:ext>
+                          </a:extLst>
+                        </a:blip>
+                        <a:srcRect l="8910" t="21447" r="9189" b="21131"/>
+                        <a:stretch/>
+                      </p:blipFill>
+                      <p:spPr>
+                        <a:xfrm>
+                          <a:off x="5036344" y="2010103"/>
+                          <a:ext cx="748903" cy="525066"/>
+                        </a:xfrm>
+                        <a:prstGeom prst="rect">
+                          <a:avLst/>
+                        </a:prstGeom>
+                      </p:spPr>
+                    </p:pic>
+                  </p:grpSp>
+                  <p:grpSp>
+                    <p:nvGrpSpPr>
+                      <p:cNvPr id="156" name="Group 155">
+                        <a:extLst>
+                          <a:ext uri="{FF2B5EF4-FFF2-40B4-BE49-F238E27FC236}">
+                            <a16:creationId xmlns:a16="http://schemas.microsoft.com/office/drawing/2014/main" id="{9CFE8356-E112-483C-AD6A-4031E602AE0D}"/>
+                          </a:ext>
+                        </a:extLst>
+                      </p:cNvPr>
+                      <p:cNvGrpSpPr/>
+                      <p:nvPr/>
+                    </p:nvGrpSpPr>
+                    <p:grpSpPr>
+                      <a:xfrm>
+                        <a:off x="4107656" y="1828897"/>
+                        <a:ext cx="748903" cy="525066"/>
+                        <a:chOff x="5036344" y="2010103"/>
+                        <a:chExt cx="748903" cy="525066"/>
+                      </a:xfrm>
+                    </p:grpSpPr>
+                    <p:sp>
+                      <p:nvSpPr>
+                        <p:cNvPr id="160" name="Rectangle 159">
+                          <a:extLst>
+                            <a:ext uri="{FF2B5EF4-FFF2-40B4-BE49-F238E27FC236}">
+                              <a16:creationId xmlns:a16="http://schemas.microsoft.com/office/drawing/2014/main" id="{79B997DC-28B0-4EFF-A35C-D44A98E790DD}"/>
+                            </a:ext>
+                          </a:extLst>
+                        </p:cNvPr>
+                        <p:cNvSpPr/>
+                        <p:nvPr/>
+                      </p:nvSpPr>
+                      <p:spPr>
+                        <a:xfrm>
+                          <a:off x="5036344" y="2010103"/>
+                          <a:ext cx="748903" cy="525066"/>
+                        </a:xfrm>
+                        <a:prstGeom prst="rect">
+                          <a:avLst/>
+                        </a:prstGeom>
+                        <a:solidFill>
+                          <a:schemeClr val="bg1"/>
+                        </a:solidFill>
+                        <a:ln>
+                          <a:solidFill>
+                            <a:schemeClr val="bg1"/>
+                          </a:solidFill>
+                        </a:ln>
+                      </p:spPr>
+                      <p:style>
+                        <a:lnRef idx="2">
+                          <a:schemeClr val="accent1">
+                            <a:shade val="50000"/>
+                          </a:schemeClr>
+                        </a:lnRef>
+                        <a:fillRef idx="1">
+                          <a:schemeClr val="accent1"/>
+                        </a:fillRef>
+                        <a:effectRef idx="0">
+                          <a:schemeClr val="accent1"/>
+                        </a:effectRef>
+                        <a:fontRef idx="minor">
+                          <a:schemeClr val="lt1"/>
+                        </a:fontRef>
+                      </p:style>
+                      <p:txBody>
+                        <a:bodyPr rtlCol="0" anchor="ctr"/>
+                        <a:lstStyle/>
+                        <a:p>
+                          <a:pPr algn="ctr"/>
+                          <a:endParaRPr lang="en-US"/>
+                        </a:p>
+                      </p:txBody>
+                    </p:sp>
+                    <p:pic>
+                      <p:nvPicPr>
+                        <p:cNvPr id="161" name="Graphic 160" descr="Table">
+                          <a:extLst>
+                            <a:ext uri="{FF2B5EF4-FFF2-40B4-BE49-F238E27FC236}">
+                              <a16:creationId xmlns:a16="http://schemas.microsoft.com/office/drawing/2014/main" id="{6C98A497-E223-40FD-86FB-D956F2BF99F1}"/>
+                            </a:ext>
+                          </a:extLst>
+                        </p:cNvPr>
+                        <p:cNvPicPr>
+                          <a:picLocks noChangeAspect="1"/>
+                        </p:cNvPicPr>
+                        <p:nvPr/>
+                      </p:nvPicPr>
+                      <p:blipFill rotWithShape="1">
+                        <a:blip r:embed="rId5">
+                          <a:extLst>
+                            <a:ext uri="{28A0092B-C50C-407E-A947-70E740481C1C}">
+                              <a14:useLocalDpi xmlns:a14="http://schemas.microsoft.com/office/drawing/2010/main" val="0"/>
+                            </a:ext>
+                            <a:ext uri="{96DAC541-7B7A-43D3-8B79-37D633B846F1}">
+                              <asvg:svgBlip xmlns:asvg="http://schemas.microsoft.com/office/drawing/2016/SVG/main" r:embed="rId6"/>
+                            </a:ext>
+                          </a:extLst>
+                        </a:blip>
+                        <a:srcRect l="8910" t="21447" r="9189" b="21131"/>
+                        <a:stretch/>
+                      </p:blipFill>
+                      <p:spPr>
+                        <a:xfrm>
+                          <a:off x="5036344" y="2010103"/>
+                          <a:ext cx="748903" cy="525066"/>
+                        </a:xfrm>
+                        <a:prstGeom prst="rect">
+                          <a:avLst/>
+                        </a:prstGeom>
+                      </p:spPr>
+                    </p:pic>
+                  </p:grpSp>
+                  <p:grpSp>
+                    <p:nvGrpSpPr>
+                      <p:cNvPr id="157" name="Group 156">
+                        <a:extLst>
+                          <a:ext uri="{FF2B5EF4-FFF2-40B4-BE49-F238E27FC236}">
+                            <a16:creationId xmlns:a16="http://schemas.microsoft.com/office/drawing/2014/main" id="{2EBED0A2-44E6-4BB0-8D4E-17AA21DFC644}"/>
+                          </a:ext>
+                        </a:extLst>
+                      </p:cNvPr>
+                      <p:cNvGrpSpPr/>
+                      <p:nvPr/>
+                    </p:nvGrpSpPr>
+                    <p:grpSpPr>
+                      <a:xfrm>
+                        <a:off x="4250531" y="1981862"/>
+                        <a:ext cx="748903" cy="525066"/>
+                        <a:chOff x="5036344" y="2010103"/>
+                        <a:chExt cx="748903" cy="525066"/>
+                      </a:xfrm>
+                    </p:grpSpPr>
+                    <p:sp>
+                      <p:nvSpPr>
+                        <p:cNvPr id="158" name="Rectangle 157">
+                          <a:extLst>
+                            <a:ext uri="{FF2B5EF4-FFF2-40B4-BE49-F238E27FC236}">
+                              <a16:creationId xmlns:a16="http://schemas.microsoft.com/office/drawing/2014/main" id="{0DCFCA25-5DA0-4EBA-ADCD-0BCC57BE5902}"/>
+                            </a:ext>
+                          </a:extLst>
+                        </p:cNvPr>
+                        <p:cNvSpPr/>
+                        <p:nvPr/>
+                      </p:nvSpPr>
+                      <p:spPr>
+                        <a:xfrm>
+                          <a:off x="5036344" y="2010103"/>
+                          <a:ext cx="748903" cy="525066"/>
+                        </a:xfrm>
+                        <a:prstGeom prst="rect">
+                          <a:avLst/>
+                        </a:prstGeom>
+                        <a:solidFill>
+                          <a:schemeClr val="bg1"/>
+                        </a:solidFill>
+                        <a:ln>
+                          <a:solidFill>
+                            <a:schemeClr val="bg1"/>
+                          </a:solidFill>
+                        </a:ln>
+                      </p:spPr>
+                      <p:style>
+                        <a:lnRef idx="2">
+                          <a:schemeClr val="accent1">
+                            <a:shade val="50000"/>
+                          </a:schemeClr>
+                        </a:lnRef>
+                        <a:fillRef idx="1">
+                          <a:schemeClr val="accent1"/>
+                        </a:fillRef>
+                        <a:effectRef idx="0">
+                          <a:schemeClr val="accent1"/>
+                        </a:effectRef>
+                        <a:fontRef idx="minor">
+                          <a:schemeClr val="lt1"/>
+                        </a:fontRef>
+                      </p:style>
+                      <p:txBody>
+                        <a:bodyPr rtlCol="0" anchor="ctr"/>
+                        <a:lstStyle/>
+                        <a:p>
+                          <a:pPr algn="ctr"/>
+                          <a:endParaRPr lang="en-US"/>
+                        </a:p>
+                      </p:txBody>
+                    </p:sp>
+                    <p:pic>
+                      <p:nvPicPr>
+                        <p:cNvPr id="159" name="Graphic 158" descr="Table">
+                          <a:extLst>
+                            <a:ext uri="{FF2B5EF4-FFF2-40B4-BE49-F238E27FC236}">
+                              <a16:creationId xmlns:a16="http://schemas.microsoft.com/office/drawing/2014/main" id="{CCAD9CCB-698C-48D3-8E2F-E3B590E3437D}"/>
+                            </a:ext>
+                          </a:extLst>
+                        </p:cNvPr>
+                        <p:cNvPicPr>
+                          <a:picLocks noChangeAspect="1"/>
+                        </p:cNvPicPr>
+                        <p:nvPr/>
+                      </p:nvPicPr>
+                      <p:blipFill rotWithShape="1">
+                        <a:blip r:embed="rId5">
+                          <a:extLst>
+                            <a:ext uri="{28A0092B-C50C-407E-A947-70E740481C1C}">
+                              <a14:useLocalDpi xmlns:a14="http://schemas.microsoft.com/office/drawing/2010/main" val="0"/>
+                            </a:ext>
+                            <a:ext uri="{96DAC541-7B7A-43D3-8B79-37D633B846F1}">
+                              <asvg:svgBlip xmlns:asvg="http://schemas.microsoft.com/office/drawing/2016/SVG/main" r:embed="rId6"/>
+                            </a:ext>
+                          </a:extLst>
+                        </a:blip>
+                        <a:srcRect l="8910" t="21447" r="9189" b="21131"/>
+                        <a:stretch/>
+                      </p:blipFill>
+                      <p:spPr>
+                        <a:xfrm>
+                          <a:off x="5036344" y="2010103"/>
+                          <a:ext cx="748903" cy="525066"/>
+                        </a:xfrm>
+                        <a:prstGeom prst="rect">
+                          <a:avLst/>
+                        </a:prstGeom>
+                      </p:spPr>
+                    </p:pic>
+                  </p:grpSp>
+                </p:grpSp>
+                <p:cxnSp>
+                  <p:nvCxnSpPr>
+                    <p:cNvPr id="152" name="Straight Arrow Connector 151">
+                      <a:extLst>
+                        <a:ext uri="{FF2B5EF4-FFF2-40B4-BE49-F238E27FC236}">
+                          <a16:creationId xmlns:a16="http://schemas.microsoft.com/office/drawing/2014/main" id="{ED976C45-BD98-4352-B59B-13A715803CE6}"/>
+                        </a:ext>
+                      </a:extLst>
+                    </p:cNvPr>
+                    <p:cNvCxnSpPr>
+                      <a:cxnSpLocks/>
+                    </p:cNvCxnSpPr>
+                    <p:nvPr/>
+                  </p:nvCxnSpPr>
+                  <p:spPr>
+                    <a:xfrm>
+                      <a:off x="3471863" y="1018834"/>
+                      <a:ext cx="0" cy="859444"/>
+                    </a:xfrm>
+                    <a:prstGeom prst="straightConnector1">
+                      <a:avLst/>
+                    </a:prstGeom>
+                    <a:ln w="12700">
+                      <a:solidFill>
+                        <a:schemeClr val="tx1"/>
+                      </a:solidFill>
+                      <a:tailEnd type="triangle"/>
+                    </a:ln>
+                  </p:spPr>
+                  <p:style>
+                    <a:lnRef idx="1">
+                      <a:schemeClr val="accent1"/>
+                    </a:lnRef>
+                    <a:fillRef idx="0">
+                      <a:schemeClr val="accent1"/>
+                    </a:fillRef>
+                    <a:effectRef idx="0">
+                      <a:schemeClr val="accent1"/>
+                    </a:effectRef>
+                    <a:fontRef idx="minor">
+                      <a:schemeClr val="tx1"/>
+                    </a:fontRef>
+                  </p:style>
+                </p:cxnSp>
+                <p:cxnSp>
+                  <p:nvCxnSpPr>
+                    <p:cNvPr id="153" name="Straight Arrow Connector 152">
+                      <a:extLst>
+                        <a:ext uri="{FF2B5EF4-FFF2-40B4-BE49-F238E27FC236}">
+                          <a16:creationId xmlns:a16="http://schemas.microsoft.com/office/drawing/2014/main" id="{C69A489D-942E-412C-A438-B3DEF83A11A0}"/>
+                        </a:ext>
+                      </a:extLst>
+                    </p:cNvPr>
+                    <p:cNvCxnSpPr>
+                      <a:cxnSpLocks/>
+                    </p:cNvCxnSpPr>
+                    <p:nvPr/>
+                  </p:nvCxnSpPr>
+                  <p:spPr>
+                    <a:xfrm>
+                      <a:off x="3471863" y="1023467"/>
+                      <a:ext cx="1048939" cy="0"/>
+                    </a:xfrm>
+                    <a:prstGeom prst="straightConnector1">
+                      <a:avLst/>
+                    </a:prstGeom>
+                    <a:ln w="12700">
+                      <a:solidFill>
+                        <a:schemeClr val="tx1"/>
+                      </a:solidFill>
+                      <a:tailEnd type="triangle"/>
+                    </a:ln>
+                  </p:spPr>
+                  <p:style>
+                    <a:lnRef idx="1">
+                      <a:schemeClr val="accent1"/>
+                    </a:lnRef>
+                    <a:fillRef idx="0">
+                      <a:schemeClr val="accent1"/>
+                    </a:fillRef>
+                    <a:effectRef idx="0">
+                      <a:schemeClr val="accent1"/>
+                    </a:effectRef>
+                    <a:fontRef idx="minor">
+                      <a:schemeClr val="tx1"/>
+                    </a:fontRef>
+                  </p:style>
+                </p:cxnSp>
+                <p:cxnSp>
+                  <p:nvCxnSpPr>
+                    <p:cNvPr id="154" name="Straight Arrow Connector 153">
+                      <a:extLst>
+                        <a:ext uri="{FF2B5EF4-FFF2-40B4-BE49-F238E27FC236}">
+                          <a16:creationId xmlns:a16="http://schemas.microsoft.com/office/drawing/2014/main" id="{DBF9A6D4-7F66-413B-9D2B-CCB7392CA2D1}"/>
+                        </a:ext>
+                      </a:extLst>
+                    </p:cNvPr>
+                    <p:cNvCxnSpPr>
+                      <a:cxnSpLocks/>
+                    </p:cNvCxnSpPr>
+                    <p:nvPr/>
+                  </p:nvCxnSpPr>
+                  <p:spPr>
+                    <a:xfrm>
+                      <a:off x="2952750" y="526582"/>
+                      <a:ext cx="519113" cy="520700"/>
+                    </a:xfrm>
+                    <a:prstGeom prst="straightConnector1">
+                      <a:avLst/>
+                    </a:prstGeom>
+                    <a:ln w="12700">
+                      <a:solidFill>
+                        <a:schemeClr val="tx1"/>
+                      </a:solidFill>
+                      <a:tailEnd type="triangle"/>
+                    </a:ln>
+                  </p:spPr>
+                  <p:style>
+                    <a:lnRef idx="1">
+                      <a:schemeClr val="accent1"/>
+                    </a:lnRef>
+                    <a:fillRef idx="0">
+                      <a:schemeClr val="accent1"/>
+                    </a:fillRef>
+                    <a:effectRef idx="0">
+                      <a:schemeClr val="accent1"/>
+                    </a:effectRef>
+                    <a:fontRef idx="minor">
+                      <a:schemeClr val="tx1"/>
+                    </a:fontRef>
+                  </p:style>
+                </p:cxnSp>
+              </p:grpSp>
+              <p:sp>
+                <p:nvSpPr>
+                  <p:cNvPr id="150" name="TextBox 149">
+                    <a:extLst>
+                      <a:ext uri="{FF2B5EF4-FFF2-40B4-BE49-F238E27FC236}">
+                        <a16:creationId xmlns:a16="http://schemas.microsoft.com/office/drawing/2014/main" id="{F17284F3-31C7-4F50-B69C-CF33338B34E2}"/>
+                      </a:ext>
+                    </a:extLst>
+                  </p:cNvPr>
+                  <p:cNvSpPr txBox="1"/>
+                  <p:nvPr/>
+                </p:nvSpPr>
+                <p:spPr>
+                  <a:xfrm>
+                    <a:off x="3518276" y="771615"/>
+                    <a:ext cx="1169778" cy="303778"/>
+                  </a:xfrm>
+                  <a:prstGeom prst="rect">
+                    <a:avLst/>
+                  </a:prstGeom>
+                  <a:noFill/>
+                </p:spPr>
+                <p:txBody>
+                  <a:bodyPr wrap="square" rtlCol="0">
+                    <a:spAutoFit/>
+                  </a:bodyPr>
+                  <a:lstStyle/>
+                  <a:p>
+                    <a:r>
+                      <a:rPr lang="en-US" sz="1200" dirty="0"/>
+                      <a:t>Education</a:t>
+                    </a:r>
+                  </a:p>
+                </p:txBody>
+              </p:sp>
+            </p:grpSp>
+            <p:sp>
+              <p:nvSpPr>
+                <p:cNvPr id="148" name="TextBox 147">
+                  <a:extLst>
+                    <a:ext uri="{FF2B5EF4-FFF2-40B4-BE49-F238E27FC236}">
+                      <a16:creationId xmlns:a16="http://schemas.microsoft.com/office/drawing/2014/main" id="{6343EE16-4F46-49F2-B08A-83BC6042BFE5}"/>
+                    </a:ext>
+                  </a:extLst>
+                </p:cNvPr>
+                <p:cNvSpPr txBox="1"/>
+                <p:nvPr/>
+              </p:nvSpPr>
+              <p:spPr>
+                <a:xfrm rot="16200000">
+                  <a:off x="3088126" y="1214712"/>
+                  <a:ext cx="556022" cy="276999"/>
+                </a:xfrm>
+                <a:prstGeom prst="rect">
+                  <a:avLst/>
+                </a:prstGeom>
+                <a:noFill/>
+              </p:spPr>
+              <p:txBody>
+                <a:bodyPr wrap="square" rtlCol="0">
+                  <a:spAutoFit/>
+                </a:bodyPr>
+                <a:lstStyle/>
+                <a:p>
+                  <a:r>
+                    <a:rPr lang="en-US" sz="1200" dirty="0"/>
+                    <a:t>FIPS</a:t>
+                  </a:r>
+                </a:p>
+              </p:txBody>
+            </p:sp>
+          </p:grpSp>
+          <p:sp>
+            <p:nvSpPr>
+              <p:cNvPr id="146" name="TextBox 145">
+                <a:extLst>
+                  <a:ext uri="{FF2B5EF4-FFF2-40B4-BE49-F238E27FC236}">
+                    <a16:creationId xmlns:a16="http://schemas.microsoft.com/office/drawing/2014/main" id="{BE833675-8532-41A9-8820-1E6743C65CFA}"/>
+                  </a:ext>
+                </a:extLst>
+              </p:cNvPr>
+              <p:cNvSpPr txBox="1"/>
+              <p:nvPr/>
+            </p:nvSpPr>
+            <p:spPr>
+              <a:xfrm rot="2741845">
+                <a:off x="3080341" y="633116"/>
+                <a:ext cx="556022" cy="276999"/>
+              </a:xfrm>
+              <a:prstGeom prst="rect">
+                <a:avLst/>
+              </a:prstGeom>
+              <a:noFill/>
+            </p:spPr>
+            <p:txBody>
+              <a:bodyPr wrap="square" rtlCol="0">
+                <a:spAutoFit/>
+              </a:bodyPr>
+              <a:lstStyle/>
+              <a:p>
+                <a:r>
+                  <a:rPr lang="en-US" sz="1200" dirty="0"/>
+                  <a:t>Year</a:t>
+                </a:r>
+              </a:p>
+            </p:txBody>
+          </p:sp>
+        </p:grpSp>
+        <p:pic>
+          <p:nvPicPr>
+            <p:cNvPr id="143" name="Picture 2">
+              <a:extLst>
+                <a:ext uri="{FF2B5EF4-FFF2-40B4-BE49-F238E27FC236}">
+                  <a16:creationId xmlns:a16="http://schemas.microsoft.com/office/drawing/2014/main" id="{0B3EC7B7-7C04-4DCA-B471-417732F70DE6}"/>
+                </a:ext>
+              </a:extLst>
+            </p:cNvPr>
+            <p:cNvPicPr>
+              <a:picLocks noChangeAspect="1" noChangeArrowheads="1"/>
+            </p:cNvPicPr>
+            <p:nvPr/>
+          </p:nvPicPr>
+          <p:blipFill>
+            <a:blip r:embed="rId7">
+              <a:extLst>
+                <a:ext uri="{28A0092B-C50C-407E-A947-70E740481C1C}">
+                  <a14:useLocalDpi xmlns:a14="http://schemas.microsoft.com/office/drawing/2010/main" val="0"/>
+                </a:ext>
+              </a:extLst>
+            </a:blip>
+            <a:srcRect/>
+            <a:stretch>
+              <a:fillRect/>
+            </a:stretch>
+          </p:blipFill>
+          <p:spPr bwMode="auto">
+            <a:xfrm>
+              <a:off x="1234332" y="4871523"/>
+              <a:ext cx="622259" cy="348465"/>
+            </a:xfrm>
+            <a:prstGeom prst="rect">
+              <a:avLst/>
+            </a:prstGeom>
+            <a:noFill/>
+            <a:extLst>
+              <a:ext uri="{909E8E84-426E-40DD-AFC4-6F175D3DCCD1}">
+                <a14:hiddenFill xmlns:a14="http://schemas.microsoft.com/office/drawing/2010/main">
+                  <a:solidFill>
+                    <a:srgbClr val="FFFFFF"/>
+                  </a:solidFill>
+                </a14:hiddenFill>
+              </a:ext>
+            </a:extLst>
+          </p:spPr>
+        </p:pic>
+        <p:sp>
+          <p:nvSpPr>
+            <p:cNvPr id="144" name="Flowchart: Process 143">
+              <a:extLst>
+                <a:ext uri="{FF2B5EF4-FFF2-40B4-BE49-F238E27FC236}">
+                  <a16:creationId xmlns:a16="http://schemas.microsoft.com/office/drawing/2014/main" id="{4A28A2A7-1F18-4240-8D4F-7F1FEF4E3F07}"/>
+                </a:ext>
+              </a:extLst>
+            </p:cNvPr>
+            <p:cNvSpPr/>
+            <p:nvPr/>
+          </p:nvSpPr>
+          <p:spPr>
+            <a:xfrm>
+              <a:off x="135341" y="4444715"/>
+              <a:ext cx="4017663" cy="1763525"/>
+            </a:xfrm>
+            <a:prstGeom prst="flowChartProcess">
+              <a:avLst/>
+            </a:prstGeom>
+            <a:noFill/>
+            <a:ln>
+              <a:solidFill>
+                <a:srgbClr val="0070C0"/>
+              </a:solidFill>
+              <a:prstDash val="sysDash"/>
+            </a:ln>
+          </p:spPr>
+          <p:style>
+            <a:lnRef idx="2">
+              <a:schemeClr val="accent1">
+                <a:shade val="50000"/>
+              </a:schemeClr>
+            </a:lnRef>
+            <a:fillRef idx="1">
+              <a:schemeClr val="accent1"/>
+            </a:fillRef>
+            <a:effectRef idx="0">
+              <a:schemeClr val="accent1"/>
+            </a:effectRef>
+            <a:fontRef idx="minor">
+              <a:schemeClr val="lt1"/>
+            </a:fontRef>
+          </p:style>
+          <p:txBody>
+            <a:bodyPr rtlCol="0" anchor="ctr"/>
+            <a:lstStyle/>
+            <a:p>
+              <a:pPr algn="ctr"/>
+              <a:endParaRPr lang="en-US"/>
+            </a:p>
+          </p:txBody>
+        </p:sp>
+      </p:grpSp>
+      <p:grpSp>
+        <p:nvGrpSpPr>
+          <p:cNvPr id="170" name="Group 169">
+            <a:extLst>
+              <a:ext uri="{FF2B5EF4-FFF2-40B4-BE49-F238E27FC236}">
+                <a16:creationId xmlns:a16="http://schemas.microsoft.com/office/drawing/2014/main" id="{8723CF44-14F0-4A1B-A597-2475BB37C6C1}"/>
+              </a:ext>
+            </a:extLst>
+          </p:cNvPr>
+          <p:cNvGrpSpPr/>
+          <p:nvPr/>
+        </p:nvGrpSpPr>
+        <p:grpSpPr>
+          <a:xfrm>
+            <a:off x="4168737" y="3087046"/>
+            <a:ext cx="1689947" cy="834410"/>
+            <a:chOff x="4152149" y="3102569"/>
+            <a:chExt cx="1689947" cy="834410"/>
+          </a:xfrm>
+        </p:grpSpPr>
+        <p:sp>
+          <p:nvSpPr>
+            <p:cNvPr id="171" name="Arrow: Right 170">
+              <a:extLst>
+                <a:ext uri="{FF2B5EF4-FFF2-40B4-BE49-F238E27FC236}">
+                  <a16:creationId xmlns:a16="http://schemas.microsoft.com/office/drawing/2014/main" id="{95CDE5CE-2940-4BCB-81E9-2A0EA4620248}"/>
+                </a:ext>
+              </a:extLst>
+            </p:cNvPr>
+            <p:cNvSpPr/>
+            <p:nvPr/>
+          </p:nvSpPr>
+          <p:spPr>
+            <a:xfrm>
+              <a:off x="4152149" y="3102569"/>
+              <a:ext cx="1689947" cy="834410"/>
+            </a:xfrm>
+            <a:prstGeom prst="rightArrow">
+              <a:avLst/>
+            </a:prstGeom>
+          </p:spPr>
+          <p:style>
+            <a:lnRef idx="2">
+              <a:schemeClr val="accent1">
+                <a:shade val="50000"/>
+              </a:schemeClr>
+            </a:lnRef>
+            <a:fillRef idx="1">
+              <a:schemeClr val="accent1"/>
+            </a:fillRef>
+            <a:effectRef idx="0">
+              <a:schemeClr val="accent1"/>
+            </a:effectRef>
+            <a:fontRef idx="minor">
+              <a:schemeClr val="lt1"/>
+            </a:fontRef>
+          </p:style>
+          <p:txBody>
+            <a:bodyPr rtlCol="0" anchor="ctr"/>
+            <a:lstStyle/>
+            <a:p>
+              <a:pPr algn="ctr"/>
+              <a:endParaRPr lang="en-US"/>
+            </a:p>
+          </p:txBody>
+        </p:sp>
+        <p:pic>
+          <p:nvPicPr>
+            <p:cNvPr id="172" name="Picture 2">
+              <a:extLst>
+                <a:ext uri="{FF2B5EF4-FFF2-40B4-BE49-F238E27FC236}">
+                  <a16:creationId xmlns:a16="http://schemas.microsoft.com/office/drawing/2014/main" id="{3B19530B-6D99-4432-AAB6-74B2A9123975}"/>
+                </a:ext>
+              </a:extLst>
+            </p:cNvPr>
+            <p:cNvPicPr>
+              <a:picLocks noChangeAspect="1" noChangeArrowheads="1"/>
+            </p:cNvPicPr>
+            <p:nvPr/>
+          </p:nvPicPr>
+          <p:blipFill>
+            <a:blip r:embed="rId7">
+              <a:extLst>
+                <a:ext uri="{28A0092B-C50C-407E-A947-70E740481C1C}">
+                  <a14:useLocalDpi xmlns:a14="http://schemas.microsoft.com/office/drawing/2010/main" val="0"/>
+                </a:ext>
+              </a:extLst>
+            </a:blip>
+            <a:srcRect/>
+            <a:stretch>
+              <a:fillRect/>
+            </a:stretch>
+          </p:blipFill>
+          <p:spPr bwMode="auto">
+            <a:xfrm>
+              <a:off x="4530330" y="3345541"/>
+              <a:ext cx="622259" cy="348465"/>
+            </a:xfrm>
+            <a:prstGeom prst="rect">
+              <a:avLst/>
+            </a:prstGeom>
+            <a:noFill/>
+            <a:extLst>
+              <a:ext uri="{909E8E84-426E-40DD-AFC4-6F175D3DCCD1}">
+                <a14:hiddenFill xmlns:a14="http://schemas.microsoft.com/office/drawing/2010/main">
+                  <a:solidFill>
+                    <a:srgbClr val="FFFFFF"/>
+                  </a:solidFill>
+                </a14:hiddenFill>
+              </a:ext>
+            </a:extLst>
+          </p:spPr>
+        </p:pic>
+      </p:grpSp>
       <p:sp>
         <p:nvSpPr>
-          <p:cNvPr id="2" name="TextBox 1">
+          <p:cNvPr id="6" name="TextBox 5">
             <a:extLst>
               <a:ext uri="{FF2B5EF4-FFF2-40B4-BE49-F238E27FC236}">
-                <a16:creationId xmlns:a16="http://schemas.microsoft.com/office/drawing/2014/main" id="{DDD6D573-E3FC-4A81-ABB4-50600EAED39F}"/>
+                <a16:creationId xmlns:a16="http://schemas.microsoft.com/office/drawing/2014/main" id="{1707833D-3FE5-4561-92F7-32BB3A68822B}"/>
               </a:ext>
             </a:extLst>
           </p:cNvPr>
@@ -7102,8 +7873,8 @@
         </p:nvSpPr>
         <p:spPr>
           <a:xfrm>
-            <a:off x="10075229" y="3818714"/>
-            <a:ext cx="1744653" cy="1015663"/>
+            <a:off x="7724274" y="1731138"/>
+            <a:ext cx="1795412" cy="369332"/>
           </a:xfrm>
           <a:prstGeom prst="rect">
             <a:avLst/>
@@ -7116,44 +7887,157 @@
           </a:bodyPr>
           <a:lstStyle/>
           <a:p>
+            <a:pPr algn="ctr"/>
             <a:r>
-              <a:rPr lang="en-US" sz="1200" dirty="0"/>
-              <a:t>Main model will be based on all data available, to provide national-level predictions</a:t>
+              <a:rPr lang="en-US" dirty="0"/>
+              <a:t>LinearRegression</a:t>
             </a:r>
           </a:p>
         </p:txBody>
       </p:sp>
       <p:sp>
         <p:nvSpPr>
-          <p:cNvPr id="139" name="TextBox 138">
+          <p:cNvPr id="173" name="Flowchart: Alternate Process 172">
             <a:extLst>
               <a:ext uri="{FF2B5EF4-FFF2-40B4-BE49-F238E27FC236}">
-                <a16:creationId xmlns:a16="http://schemas.microsoft.com/office/drawing/2014/main" id="{788728FD-FB0D-4D30-B60D-AE9F259E9B51}"/>
+                <a16:creationId xmlns:a16="http://schemas.microsoft.com/office/drawing/2014/main" id="{23A6849E-187E-4980-86A4-0C2D440F1DCE}"/>
               </a:ext>
             </a:extLst>
           </p:cNvPr>
-          <p:cNvSpPr txBox="1"/>
+          <p:cNvSpPr/>
           <p:nvPr/>
         </p:nvSpPr>
         <p:spPr>
           <a:xfrm>
-            <a:off x="10075229" y="5630493"/>
-            <a:ext cx="1744653" cy="1015663"/>
+            <a:off x="10364398" y="2564739"/>
+            <a:ext cx="1203158" cy="582280"/>
           </a:xfrm>
-          <a:prstGeom prst="rect">
+          <a:prstGeom prst="flowChartAlternateProcess">
             <a:avLst/>
           </a:prstGeom>
-          <a:noFill/>
         </p:spPr>
+        <p:style>
+          <a:lnRef idx="2">
+            <a:schemeClr val="accent1">
+              <a:shade val="50000"/>
+            </a:schemeClr>
+          </a:lnRef>
+          <a:fillRef idx="1">
+            <a:schemeClr val="accent1"/>
+          </a:fillRef>
+          <a:effectRef idx="0">
+            <a:schemeClr val="accent1"/>
+          </a:effectRef>
+          <a:fontRef idx="minor">
+            <a:schemeClr val="lt1"/>
+          </a:fontRef>
+        </p:style>
         <p:txBody>
-          <a:bodyPr wrap="square" rtlCol="0">
-            <a:spAutoFit/>
-          </a:bodyPr>
+          <a:bodyPr rtlCol="0" anchor="ctr"/>
           <a:lstStyle/>
           <a:p>
+            <a:pPr algn="ctr"/>
             <a:r>
-              <a:rPr lang="en-US" sz="1200" dirty="0"/>
-              <a:t>Subset models will be based on area-specific data, and will be used to compare/contrast to other models</a:t>
+              <a:rPr lang="en-US" sz="1500" dirty="0"/>
+              <a:t>Model Summary</a:t>
+            </a:r>
+          </a:p>
+        </p:txBody>
+      </p:sp>
+      <p:sp>
+        <p:nvSpPr>
+          <p:cNvPr id="174" name="Flowchart: Alternate Process 173">
+            <a:extLst>
+              <a:ext uri="{FF2B5EF4-FFF2-40B4-BE49-F238E27FC236}">
+                <a16:creationId xmlns:a16="http://schemas.microsoft.com/office/drawing/2014/main" id="{171E955A-1E0B-4C15-B1BF-14400C1F2D75}"/>
+              </a:ext>
+            </a:extLst>
+          </p:cNvPr>
+          <p:cNvSpPr/>
+          <p:nvPr/>
+        </p:nvSpPr>
+        <p:spPr>
+          <a:xfrm>
+            <a:off x="10364398" y="3202614"/>
+            <a:ext cx="1203158" cy="582280"/>
+          </a:xfrm>
+          <a:prstGeom prst="flowChartAlternateProcess">
+            <a:avLst/>
+          </a:prstGeom>
+        </p:spPr>
+        <p:style>
+          <a:lnRef idx="2">
+            <a:schemeClr val="accent1">
+              <a:shade val="50000"/>
+            </a:schemeClr>
+          </a:lnRef>
+          <a:fillRef idx="1">
+            <a:schemeClr val="accent1"/>
+          </a:fillRef>
+          <a:effectRef idx="0">
+            <a:schemeClr val="accent1"/>
+          </a:effectRef>
+          <a:fontRef idx="minor">
+            <a:schemeClr val="lt1"/>
+          </a:fontRef>
+        </p:style>
+        <p:txBody>
+          <a:bodyPr rtlCol="0" anchor="ctr"/>
+          <a:lstStyle/>
+          <a:p>
+            <a:pPr algn="ctr"/>
+            <a:r>
+              <a:rPr lang="en-US" sz="1500" dirty="0"/>
+              <a:t>Model Coefficients</a:t>
+            </a:r>
+          </a:p>
+        </p:txBody>
+      </p:sp>
+      <p:sp>
+        <p:nvSpPr>
+          <p:cNvPr id="176" name="Flowchart: Alternate Process 175">
+            <a:extLst>
+              <a:ext uri="{FF2B5EF4-FFF2-40B4-BE49-F238E27FC236}">
+                <a16:creationId xmlns:a16="http://schemas.microsoft.com/office/drawing/2014/main" id="{8570C3D9-9499-4C38-A625-930FAD19BE6D}"/>
+              </a:ext>
+            </a:extLst>
+          </p:cNvPr>
+          <p:cNvSpPr/>
+          <p:nvPr/>
+        </p:nvSpPr>
+        <p:spPr>
+          <a:xfrm>
+            <a:off x="10364398" y="3849303"/>
+            <a:ext cx="1203158" cy="918010"/>
+          </a:xfrm>
+          <a:prstGeom prst="flowChartAlternateProcess">
+            <a:avLst/>
+          </a:prstGeom>
+        </p:spPr>
+        <p:style>
+          <a:lnRef idx="2">
+            <a:schemeClr val="accent1">
+              <a:shade val="50000"/>
+            </a:schemeClr>
+          </a:lnRef>
+          <a:fillRef idx="1">
+            <a:schemeClr val="accent1"/>
+          </a:fillRef>
+          <a:effectRef idx="0">
+            <a:schemeClr val="accent1"/>
+          </a:effectRef>
+          <a:fontRef idx="minor">
+            <a:schemeClr val="lt1"/>
+          </a:fontRef>
+        </p:style>
+        <p:txBody>
+          <a:bodyPr rtlCol="0" anchor="ctr"/>
+          <a:lstStyle/>
+          <a:p>
+            <a:pPr algn="ctr"/>
+            <a:r>
+              <a:rPr lang="en-US" sz="1500" dirty="0"/>
+              <a:t>Test Set Predictions w/ Correct Values</a:t>
             </a:r>
           </a:p>
         </p:txBody>
